--- a/Artstealer Presentation.pptx
+++ b/Artstealer Presentation.pptx
@@ -5,13 +5,14 @@
     <p:sldMasterId id="2147483648" r:id="rId1"/>
   </p:sldMasterIdLst>
   <p:notesMasterIdLst>
-    <p:notesMasterId r:id="rId6"/>
+    <p:notesMasterId r:id="rId7"/>
   </p:notesMasterIdLst>
   <p:sldIdLst>
     <p:sldId id="256" r:id="rId2"/>
     <p:sldId id="258" r:id="rId3"/>
     <p:sldId id="257" r:id="rId4"/>
     <p:sldId id="259" r:id="rId5"/>
+    <p:sldId id="260" r:id="rId6"/>
   </p:sldIdLst>
   <p:sldSz cx="12192000" cy="6858000"/>
   <p:notesSz cx="6858000" cy="9144000"/>
@@ -110,6 +111,11 @@
       </a:defRPr>
     </a:lvl9pPr>
   </p:defaultTextStyle>
+  <p:extLst>
+    <p:ext uri="{EFAFB233-063F-42B5-8137-9DF3F51BA10A}">
+      <p15:sldGuideLst xmlns:p15="http://schemas.microsoft.com/office/powerpoint/2012/main"/>
+    </p:ext>
+  </p:extLst>
 </p:presentation>
 </file>
 
@@ -507,7 +513,99 @@
           <a:bodyPr/>
           <a:lstStyle/>
           <a:p>
-            <a:endParaRPr lang="bg-BG" dirty="0"/>
+            <a:r>
+              <a:rPr lang="bg-BG" sz="1200" b="1" dirty="0" smtClean="0"/>
+              <a:t>План:</a:t>
+            </a:r>
+            <a:endParaRPr lang="en-US" sz="1200" b="1" dirty="0" smtClean="0"/>
+          </a:p>
+          <a:p>
+            <a:r>
+              <a:rPr lang="bg-BG" dirty="0" smtClean="0"/>
+              <a:t>Какво</a:t>
+            </a:r>
+            <a:r>
+              <a:rPr lang="bg-BG" baseline="0" dirty="0" smtClean="0"/>
+              <a:t> ни е накарало да го направим?</a:t>
+            </a:r>
+          </a:p>
+          <a:p>
+            <a:endParaRPr lang="bg-BG" baseline="0" dirty="0" smtClean="0"/>
+          </a:p>
+          <a:p>
+            <a:r>
+              <a:rPr lang="bg-BG" baseline="0" dirty="0" smtClean="0"/>
+              <a:t>Ние обичаме да правим тъпотии</a:t>
+            </a:r>
+          </a:p>
+          <a:p>
+            <a:endParaRPr lang="bg-BG" baseline="0" dirty="0" smtClean="0"/>
+          </a:p>
+          <a:p>
+            <a:r>
+              <a:rPr lang="bg-BG" baseline="0" dirty="0" smtClean="0"/>
+              <a:t>Как сме реализирали проекта? (</a:t>
+            </a:r>
+            <a:r>
+              <a:rPr lang="en-US" baseline="0" dirty="0" smtClean="0"/>
+              <a:t>Unity, </a:t>
+            </a:r>
+            <a:r>
+              <a:rPr lang="en-US" baseline="0" dirty="0" err="1" smtClean="0"/>
+              <a:t>photoshop</a:t>
+            </a:r>
+            <a:r>
+              <a:rPr lang="en-US" baseline="0" dirty="0" smtClean="0"/>
+              <a:t>, google, exc.)</a:t>
+            </a:r>
+          </a:p>
+          <a:p>
+            <a:endParaRPr lang="bg-BG" baseline="0" dirty="0" smtClean="0"/>
+          </a:p>
+          <a:p>
+            <a:r>
+              <a:rPr lang="bg-BG" baseline="0" dirty="0" smtClean="0"/>
+              <a:t>Разказ за играта</a:t>
+            </a:r>
+          </a:p>
+          <a:p>
+            <a:endParaRPr lang="bg-BG" baseline="0" dirty="0" smtClean="0"/>
+          </a:p>
+          <a:p>
+            <a:r>
+              <a:rPr lang="bg-BG" sz="1200" b="1" dirty="0" smtClean="0"/>
+              <a:t>Какво</a:t>
+            </a:r>
+            <a:r>
+              <a:rPr lang="bg-BG" sz="1200" b="1" baseline="0" dirty="0" smtClean="0"/>
+              <a:t> има на слайда:</a:t>
+            </a:r>
+          </a:p>
+          <a:p>
+            <a:r>
+              <a:rPr lang="bg-BG" sz="1200" b="0" baseline="0" dirty="0" smtClean="0"/>
+              <a:t>Заглавие на играта</a:t>
+            </a:r>
+          </a:p>
+          <a:p>
+            <a:endParaRPr lang="bg-BG" sz="1200" b="0" baseline="0" dirty="0" smtClean="0"/>
+          </a:p>
+          <a:p>
+            <a:r>
+              <a:rPr lang="bg-BG" sz="1200" b="0" dirty="0" smtClean="0"/>
+              <a:t>Снимка</a:t>
+            </a:r>
+            <a:r>
+              <a:rPr lang="bg-BG" sz="1200" b="0" baseline="0" dirty="0" smtClean="0"/>
+              <a:t> от играта като фон</a:t>
+            </a:r>
+            <a:endParaRPr lang="bg-BG" sz="1200" b="0" dirty="0" smtClean="0"/>
+          </a:p>
+          <a:p>
+            <a:endParaRPr lang="bg-BG" baseline="0" dirty="0" smtClean="0"/>
+          </a:p>
+          <a:p>
+            <a:endParaRPr lang="bg-BG" baseline="0" dirty="0" smtClean="0"/>
           </a:p>
         </p:txBody>
       </p:sp>
@@ -538,6 +636,398 @@
     <p:extLst>
       <p:ext uri="{BB962C8B-B14F-4D97-AF65-F5344CB8AC3E}">
         <p14:creationId xmlns:p14="http://schemas.microsoft.com/office/powerpoint/2010/main" val="1269594521"/>
+      </p:ext>
+    </p:extLst>
+  </p:cSld>
+  <p:clrMapOvr>
+    <a:masterClrMapping/>
+  </p:clrMapOvr>
+</p:notes>
+</file>
+
+<file path=ppt/notesSlides/notesSlide2.xml><?xml version="1.0" encoding="utf-8"?>
+<p:notes xmlns:a="http://schemas.openxmlformats.org/drawingml/2006/main" xmlns:r="http://schemas.openxmlformats.org/officeDocument/2006/relationships" xmlns:p="http://schemas.openxmlformats.org/presentationml/2006/main">
+  <p:cSld>
+    <p:spTree>
+      <p:nvGrpSpPr>
+        <p:cNvPr id="1" name=""/>
+        <p:cNvGrpSpPr/>
+        <p:nvPr/>
+      </p:nvGrpSpPr>
+      <p:grpSpPr>
+        <a:xfrm>
+          <a:off x="0" y="0"/>
+          <a:ext cx="0" cy="0"/>
+          <a:chOff x="0" y="0"/>
+          <a:chExt cx="0" cy="0"/>
+        </a:xfrm>
+      </p:grpSpPr>
+      <p:sp>
+        <p:nvSpPr>
+          <p:cNvPr id="2" name="Slide Image Placeholder 1"/>
+          <p:cNvSpPr>
+            <a:spLocks noGrp="1" noRot="1" noChangeAspect="1"/>
+          </p:cNvSpPr>
+          <p:nvPr>
+            <p:ph type="sldImg"/>
+          </p:nvPr>
+        </p:nvSpPr>
+        <p:spPr/>
+      </p:sp>
+      <p:sp>
+        <p:nvSpPr>
+          <p:cNvPr id="3" name="Notes Placeholder 2"/>
+          <p:cNvSpPr>
+            <a:spLocks noGrp="1"/>
+          </p:cNvSpPr>
+          <p:nvPr>
+            <p:ph type="body" idx="1"/>
+          </p:nvPr>
+        </p:nvSpPr>
+        <p:spPr/>
+        <p:txBody>
+          <a:bodyPr/>
+          <a:lstStyle/>
+          <a:p>
+            <a:endParaRPr lang="bg-BG" dirty="0"/>
+          </a:p>
+        </p:txBody>
+      </p:sp>
+      <p:sp>
+        <p:nvSpPr>
+          <p:cNvPr id="4" name="Slide Number Placeholder 3"/>
+          <p:cNvSpPr>
+            <a:spLocks noGrp="1"/>
+          </p:cNvSpPr>
+          <p:nvPr>
+            <p:ph type="sldNum" sz="quarter" idx="10"/>
+          </p:nvPr>
+        </p:nvSpPr>
+        <p:spPr/>
+        <p:txBody>
+          <a:bodyPr/>
+          <a:lstStyle/>
+          <a:p>
+            <a:fld id="{B245B502-178D-4467-AB20-52D3464A98BD}" type="slidenum">
+              <a:rPr lang="bg-BG" smtClean="0"/>
+              <a:t>2</a:t>
+            </a:fld>
+            <a:endParaRPr lang="bg-BG"/>
+          </a:p>
+        </p:txBody>
+      </p:sp>
+    </p:spTree>
+    <p:extLst>
+      <p:ext uri="{BB962C8B-B14F-4D97-AF65-F5344CB8AC3E}">
+        <p14:creationId xmlns:p14="http://schemas.microsoft.com/office/powerpoint/2010/main" val="1935662059"/>
+      </p:ext>
+    </p:extLst>
+  </p:cSld>
+  <p:clrMapOvr>
+    <a:masterClrMapping/>
+  </p:clrMapOvr>
+</p:notes>
+</file>
+
+<file path=ppt/notesSlides/notesSlide3.xml><?xml version="1.0" encoding="utf-8"?>
+<p:notes xmlns:a="http://schemas.openxmlformats.org/drawingml/2006/main" xmlns:r="http://schemas.openxmlformats.org/officeDocument/2006/relationships" xmlns:p="http://schemas.openxmlformats.org/presentationml/2006/main">
+  <p:cSld>
+    <p:spTree>
+      <p:nvGrpSpPr>
+        <p:cNvPr id="1" name=""/>
+        <p:cNvGrpSpPr/>
+        <p:nvPr/>
+      </p:nvGrpSpPr>
+      <p:grpSpPr>
+        <a:xfrm>
+          <a:off x="0" y="0"/>
+          <a:ext cx="0" cy="0"/>
+          <a:chOff x="0" y="0"/>
+          <a:chExt cx="0" cy="0"/>
+        </a:xfrm>
+      </p:grpSpPr>
+      <p:sp>
+        <p:nvSpPr>
+          <p:cNvPr id="2" name="Slide Image Placeholder 1"/>
+          <p:cNvSpPr>
+            <a:spLocks noGrp="1" noRot="1" noChangeAspect="1"/>
+          </p:cNvSpPr>
+          <p:nvPr>
+            <p:ph type="sldImg"/>
+          </p:nvPr>
+        </p:nvSpPr>
+        <p:spPr/>
+      </p:sp>
+      <p:sp>
+        <p:nvSpPr>
+          <p:cNvPr id="3" name="Notes Placeholder 2"/>
+          <p:cNvSpPr>
+            <a:spLocks noGrp="1"/>
+          </p:cNvSpPr>
+          <p:nvPr>
+            <p:ph type="body" idx="1"/>
+          </p:nvPr>
+        </p:nvSpPr>
+        <p:spPr/>
+        <p:txBody>
+          <a:bodyPr/>
+          <a:lstStyle/>
+          <a:p>
+            <a:endParaRPr lang="bg-BG" dirty="0"/>
+          </a:p>
+        </p:txBody>
+      </p:sp>
+      <p:sp>
+        <p:nvSpPr>
+          <p:cNvPr id="4" name="Slide Number Placeholder 3"/>
+          <p:cNvSpPr>
+            <a:spLocks noGrp="1"/>
+          </p:cNvSpPr>
+          <p:nvPr>
+            <p:ph type="sldNum" sz="quarter" idx="10"/>
+          </p:nvPr>
+        </p:nvSpPr>
+        <p:spPr/>
+        <p:txBody>
+          <a:bodyPr/>
+          <a:lstStyle/>
+          <a:p>
+            <a:fld id="{B245B502-178D-4467-AB20-52D3464A98BD}" type="slidenum">
+              <a:rPr lang="bg-BG" smtClean="0"/>
+              <a:t>3</a:t>
+            </a:fld>
+            <a:endParaRPr lang="bg-BG"/>
+          </a:p>
+        </p:txBody>
+      </p:sp>
+    </p:spTree>
+    <p:extLst>
+      <p:ext uri="{BB962C8B-B14F-4D97-AF65-F5344CB8AC3E}">
+        <p14:creationId xmlns:p14="http://schemas.microsoft.com/office/powerpoint/2010/main" val="3698274940"/>
+      </p:ext>
+    </p:extLst>
+  </p:cSld>
+  <p:clrMapOvr>
+    <a:masterClrMapping/>
+  </p:clrMapOvr>
+</p:notes>
+</file>
+
+<file path=ppt/notesSlides/notesSlide4.xml><?xml version="1.0" encoding="utf-8"?>
+<p:notes xmlns:a="http://schemas.openxmlformats.org/drawingml/2006/main" xmlns:r="http://schemas.openxmlformats.org/officeDocument/2006/relationships" xmlns:p="http://schemas.openxmlformats.org/presentationml/2006/main">
+  <p:cSld>
+    <p:spTree>
+      <p:nvGrpSpPr>
+        <p:cNvPr id="1" name=""/>
+        <p:cNvGrpSpPr/>
+        <p:nvPr/>
+      </p:nvGrpSpPr>
+      <p:grpSpPr>
+        <a:xfrm>
+          <a:off x="0" y="0"/>
+          <a:ext cx="0" cy="0"/>
+          <a:chOff x="0" y="0"/>
+          <a:chExt cx="0" cy="0"/>
+        </a:xfrm>
+      </p:grpSpPr>
+      <p:sp>
+        <p:nvSpPr>
+          <p:cNvPr id="2" name="Slide Image Placeholder 1"/>
+          <p:cNvSpPr>
+            <a:spLocks noGrp="1" noRot="1" noChangeAspect="1"/>
+          </p:cNvSpPr>
+          <p:nvPr>
+            <p:ph type="sldImg"/>
+          </p:nvPr>
+        </p:nvSpPr>
+        <p:spPr/>
+      </p:sp>
+      <p:sp>
+        <p:nvSpPr>
+          <p:cNvPr id="3" name="Notes Placeholder 2"/>
+          <p:cNvSpPr>
+            <a:spLocks noGrp="1"/>
+          </p:cNvSpPr>
+          <p:nvPr>
+            <p:ph type="body" idx="1"/>
+          </p:nvPr>
+        </p:nvSpPr>
+        <p:spPr/>
+        <p:txBody>
+          <a:bodyPr/>
+          <a:lstStyle/>
+          <a:p>
+            <a:pPr marL="0" marR="0" indent="0" algn="l" defTabSz="914400" rtl="0" eaLnBrk="1" fontAlgn="auto" latinLnBrk="0" hangingPunct="1">
+              <a:lnSpc>
+                <a:spcPct val="100000"/>
+              </a:lnSpc>
+              <a:spcBef>
+                <a:spcPts val="0"/>
+              </a:spcBef>
+              <a:spcAft>
+                <a:spcPts val="0"/>
+              </a:spcAft>
+              <a:buClrTx/>
+              <a:buSzTx/>
+              <a:buFontTx/>
+              <a:buNone/>
+              <a:tabLst/>
+              <a:defRPr/>
+            </a:pPr>
+            <a:r>
+              <a:rPr lang="bg-BG" baseline="0" dirty="0" smtClean="0"/>
+              <a:t>Как сме реализирали проекта? (</a:t>
+            </a:r>
+            <a:r>
+              <a:rPr lang="en-US" baseline="0" dirty="0" smtClean="0"/>
+              <a:t>Unity, </a:t>
+            </a:r>
+            <a:r>
+              <a:rPr lang="en-US" baseline="0" dirty="0" err="1" smtClean="0"/>
+              <a:t>photoshop</a:t>
+            </a:r>
+            <a:r>
+              <a:rPr lang="en-US" baseline="0" dirty="0" smtClean="0"/>
+              <a:t>, google, exc.)</a:t>
+            </a:r>
+          </a:p>
+          <a:p>
+            <a:endParaRPr lang="bg-BG" dirty="0"/>
+          </a:p>
+        </p:txBody>
+      </p:sp>
+      <p:sp>
+        <p:nvSpPr>
+          <p:cNvPr id="4" name="Slide Number Placeholder 3"/>
+          <p:cNvSpPr>
+            <a:spLocks noGrp="1"/>
+          </p:cNvSpPr>
+          <p:nvPr>
+            <p:ph type="sldNum" sz="quarter" idx="10"/>
+          </p:nvPr>
+        </p:nvSpPr>
+        <p:spPr/>
+        <p:txBody>
+          <a:bodyPr/>
+          <a:lstStyle/>
+          <a:p>
+            <a:fld id="{B245B502-178D-4467-AB20-52D3464A98BD}" type="slidenum">
+              <a:rPr lang="bg-BG" smtClean="0"/>
+              <a:t>4</a:t>
+            </a:fld>
+            <a:endParaRPr lang="bg-BG"/>
+          </a:p>
+        </p:txBody>
+      </p:sp>
+    </p:spTree>
+    <p:extLst>
+      <p:ext uri="{BB962C8B-B14F-4D97-AF65-F5344CB8AC3E}">
+        <p14:creationId xmlns:p14="http://schemas.microsoft.com/office/powerpoint/2010/main" val="769019339"/>
+      </p:ext>
+    </p:extLst>
+  </p:cSld>
+  <p:clrMapOvr>
+    <a:masterClrMapping/>
+  </p:clrMapOvr>
+</p:notes>
+</file>
+
+<file path=ppt/notesSlides/notesSlide5.xml><?xml version="1.0" encoding="utf-8"?>
+<p:notes xmlns:a="http://schemas.openxmlformats.org/drawingml/2006/main" xmlns:r="http://schemas.openxmlformats.org/officeDocument/2006/relationships" xmlns:p="http://schemas.openxmlformats.org/presentationml/2006/main">
+  <p:cSld>
+    <p:spTree>
+      <p:nvGrpSpPr>
+        <p:cNvPr id="1" name=""/>
+        <p:cNvGrpSpPr/>
+        <p:nvPr/>
+      </p:nvGrpSpPr>
+      <p:grpSpPr>
+        <a:xfrm>
+          <a:off x="0" y="0"/>
+          <a:ext cx="0" cy="0"/>
+          <a:chOff x="0" y="0"/>
+          <a:chExt cx="0" cy="0"/>
+        </a:xfrm>
+      </p:grpSpPr>
+      <p:sp>
+        <p:nvSpPr>
+          <p:cNvPr id="2" name="Slide Image Placeholder 1"/>
+          <p:cNvSpPr>
+            <a:spLocks noGrp="1" noRot="1" noChangeAspect="1"/>
+          </p:cNvSpPr>
+          <p:nvPr>
+            <p:ph type="sldImg"/>
+          </p:nvPr>
+        </p:nvSpPr>
+        <p:spPr/>
+      </p:sp>
+      <p:sp>
+        <p:nvSpPr>
+          <p:cNvPr id="3" name="Notes Placeholder 2"/>
+          <p:cNvSpPr>
+            <a:spLocks noGrp="1"/>
+          </p:cNvSpPr>
+          <p:nvPr>
+            <p:ph type="body" idx="1"/>
+          </p:nvPr>
+        </p:nvSpPr>
+        <p:spPr/>
+        <p:txBody>
+          <a:bodyPr/>
+          <a:lstStyle/>
+          <a:p>
+            <a:pPr marL="0" marR="0" indent="0" algn="l" defTabSz="914400" rtl="0" eaLnBrk="1" fontAlgn="auto" latinLnBrk="0" hangingPunct="1">
+              <a:lnSpc>
+                <a:spcPct val="100000"/>
+              </a:lnSpc>
+              <a:spcBef>
+                <a:spcPts val="0"/>
+              </a:spcBef>
+              <a:spcAft>
+                <a:spcPts val="0"/>
+              </a:spcAft>
+              <a:buClrTx/>
+              <a:buSzTx/>
+              <a:buFontTx/>
+              <a:buNone/>
+              <a:tabLst/>
+              <a:defRPr/>
+            </a:pPr>
+            <a:r>
+              <a:rPr lang="ru-RU" dirty="0" smtClean="0"/>
+              <a:t>Ти си крадец, който е откраднал картина от музей и трябва да избяга, но по пътя ти има невъзможни препядствия, които трябва да минеш като умираш и използваш трупът си за да минеш препядствието.</a:t>
+            </a:r>
+            <a:endParaRPr lang="bg-BG" baseline="0" dirty="0" smtClean="0"/>
+          </a:p>
+        </p:txBody>
+      </p:sp>
+      <p:sp>
+        <p:nvSpPr>
+          <p:cNvPr id="4" name="Slide Number Placeholder 3"/>
+          <p:cNvSpPr>
+            <a:spLocks noGrp="1"/>
+          </p:cNvSpPr>
+          <p:nvPr>
+            <p:ph type="sldNum" sz="quarter" idx="10"/>
+          </p:nvPr>
+        </p:nvSpPr>
+        <p:spPr/>
+        <p:txBody>
+          <a:bodyPr/>
+          <a:lstStyle/>
+          <a:p>
+            <a:fld id="{B245B502-178D-4467-AB20-52D3464A98BD}" type="slidenum">
+              <a:rPr lang="bg-BG" smtClean="0"/>
+              <a:t>5</a:t>
+            </a:fld>
+            <a:endParaRPr lang="bg-BG"/>
+          </a:p>
+        </p:txBody>
+      </p:sp>
+    </p:spTree>
+    <p:extLst>
+      <p:ext uri="{BB962C8B-B14F-4D97-AF65-F5344CB8AC3E}">
+        <p14:creationId xmlns:p14="http://schemas.microsoft.com/office/powerpoint/2010/main" val="455384871"/>
       </p:ext>
     </p:extLst>
   </p:cSld>
@@ -3412,8 +3902,8 @@
         </p:nvSpPr>
         <p:spPr>
           <a:xfrm>
-            <a:off x="4304371" y="2319454"/>
-            <a:ext cx="3300761" cy="369332"/>
+            <a:off x="2071397" y="1978089"/>
+            <a:ext cx="6960636" cy="1107996"/>
           </a:xfrm>
           <a:prstGeom prst="rect">
             <a:avLst/>
@@ -3427,9 +3917,48 @@
           <a:lstStyle/>
           <a:p>
             <a:r>
-              <a:rPr lang="bg-BG" dirty="0" smtClean="0"/>
-              <a:t>Тескт идва тук</a:t>
-            </a:r>
+              <a:rPr lang="en-US" sz="6600" dirty="0" err="1" smtClean="0"/>
+              <a:t>Artstealer</a:t>
+            </a:r>
+            <a:endParaRPr lang="en-US" sz="6600" dirty="0" smtClean="0"/>
+          </a:p>
+        </p:txBody>
+      </p:sp>
+      <p:sp>
+        <p:nvSpPr>
+          <p:cNvPr id="3" name="TextBox 2"/>
+          <p:cNvSpPr txBox="1"/>
+          <p:nvPr/>
+        </p:nvSpPr>
+        <p:spPr>
+          <a:xfrm>
+            <a:off x="2071397" y="3086085"/>
+            <a:ext cx="6960636" cy="1107996"/>
+          </a:xfrm>
+          <a:prstGeom prst="rect">
+            <a:avLst/>
+          </a:prstGeom>
+          <a:noFill/>
+        </p:spPr>
+        <p:txBody>
+          <a:bodyPr wrap="square" rtlCol="0">
+            <a:spAutoFit/>
+          </a:bodyPr>
+          <a:lstStyle/>
+          <a:p>
+            <a:r>
+              <a:rPr lang="en-US" sz="6600" dirty="0" err="1" smtClean="0">
+                <a:latin typeface="Lato" panose="020F0502020204030203" pitchFamily="34" charset="0"/>
+                <a:ea typeface="Lato" panose="020F0502020204030203" pitchFamily="34" charset="0"/>
+                <a:cs typeface="Lato" panose="020F0502020204030203" pitchFamily="34" charset="0"/>
+              </a:rPr>
+              <a:t>Artstealer</a:t>
+            </a:r>
+            <a:endParaRPr lang="en-US" sz="6600" dirty="0" smtClean="0">
+              <a:latin typeface="Lato" panose="020F0502020204030203" pitchFamily="34" charset="0"/>
+              <a:ea typeface="Lato" panose="020F0502020204030203" pitchFamily="34" charset="0"/>
+              <a:cs typeface="Lato" panose="020F0502020204030203" pitchFamily="34" charset="0"/>
+            </a:endParaRPr>
           </a:p>
         </p:txBody>
       </p:sp>
@@ -3443,6 +3972,13 @@
   <p:clrMapOvr>
     <a:masterClrMapping/>
   </p:clrMapOvr>
+  <p:timing>
+    <p:tnLst>
+      <p:par>
+        <p:cTn id="1" dur="indefinite" restart="never" nodeType="tmRoot"/>
+      </p:par>
+    </p:tnLst>
+  </p:timing>
 </p:sld>
 </file>
 
@@ -3478,7 +4014,23 @@
           <a:bodyPr/>
           <a:lstStyle/>
           <a:p>
-            <a:endParaRPr lang="bg-BG"/>
+            <a:r>
+              <a:rPr lang="bg-BG" dirty="0" smtClean="0"/>
+              <a:t>Какво ни е накарало </a:t>
+            </a:r>
+            <a:r>
+              <a:rPr lang="bg-BG" dirty="0" smtClean="0">
+                <a:latin typeface="Lato Light" panose="020F0502020204030203" pitchFamily="34" charset="0"/>
+                <a:ea typeface="Lato Light" panose="020F0502020204030203" pitchFamily="34" charset="0"/>
+                <a:cs typeface="Lato Light" panose="020F0502020204030203" pitchFamily="34" charset="0"/>
+              </a:rPr>
+              <a:t>да го направим?</a:t>
+            </a:r>
+            <a:endParaRPr lang="bg-BG" dirty="0">
+              <a:latin typeface="Lato Light" panose="020F0502020204030203" pitchFamily="34" charset="0"/>
+              <a:ea typeface="Lato Light" panose="020F0502020204030203" pitchFamily="34" charset="0"/>
+              <a:cs typeface="Lato Light" panose="020F0502020204030203" pitchFamily="34" charset="0"/>
+            </a:endParaRPr>
           </a:p>
         </p:txBody>
       </p:sp>
@@ -3497,7 +4049,7 @@
           <a:bodyPr/>
           <a:lstStyle/>
           <a:p>
-            <a:endParaRPr lang="bg-BG"/>
+            <a:endParaRPr lang="bg-BG" dirty="0"/>
           </a:p>
         </p:txBody>
       </p:sp>
@@ -3511,6 +4063,13 @@
   <p:clrMapOvr>
     <a:masterClrMapping/>
   </p:clrMapOvr>
+  <p:timing>
+    <p:tnLst>
+      <p:par>
+        <p:cTn id="1" dur="indefinite" restart="never" nodeType="tmRoot"/>
+      </p:par>
+    </p:tnLst>
+  </p:timing>
 </p:sld>
 </file>
 
@@ -3546,7 +4105,27 @@
           <a:bodyPr/>
           <a:lstStyle/>
           <a:p>
-            <a:endParaRPr lang="bg-BG"/>
+            <a:r>
+              <a:rPr lang="bg-BG" dirty="0">
+                <a:latin typeface="Lato Light" panose="020F0502020204030203" pitchFamily="34" charset="0"/>
+                <a:ea typeface="Lato Light" panose="020F0502020204030203" pitchFamily="34" charset="0"/>
+                <a:cs typeface="Lato Light" panose="020F0502020204030203" pitchFamily="34" charset="0"/>
+              </a:rPr>
+              <a:t>Ние обичаме да правим </a:t>
+            </a:r>
+            <a:r>
+              <a:rPr lang="bg-BG" dirty="0" smtClean="0">
+                <a:latin typeface="Lato Light" panose="020F0502020204030203" pitchFamily="34" charset="0"/>
+                <a:ea typeface="Lato Light" panose="020F0502020204030203" pitchFamily="34" charset="0"/>
+                <a:cs typeface="Lato Light" panose="020F0502020204030203" pitchFamily="34" charset="0"/>
+              </a:rPr>
+              <a:t>тъпотии</a:t>
+            </a:r>
+            <a:endParaRPr lang="bg-BG" dirty="0">
+              <a:latin typeface="Lato Light" panose="020F0502020204030203" pitchFamily="34" charset="0"/>
+              <a:ea typeface="Lato Light" panose="020F0502020204030203" pitchFamily="34" charset="0"/>
+              <a:cs typeface="Lato Light" panose="020F0502020204030203" pitchFamily="34" charset="0"/>
+            </a:endParaRPr>
           </a:p>
         </p:txBody>
       </p:sp>
@@ -3579,6 +4158,13 @@
   <p:clrMapOvr>
     <a:masterClrMapping/>
   </p:clrMapOvr>
+  <p:timing>
+    <p:tnLst>
+      <p:par>
+        <p:cTn id="1" dur="indefinite" restart="never" nodeType="tmRoot"/>
+      </p:par>
+    </p:tnLst>
+  </p:timing>
 </p:sld>
 </file>
 
@@ -3614,7 +4200,19 @@
           <a:bodyPr/>
           <a:lstStyle/>
           <a:p>
-            <a:endParaRPr lang="bg-BG"/>
+            <a:r>
+              <a:rPr lang="bg-BG" dirty="0">
+                <a:latin typeface="Lato Light" panose="020F0502020204030203" pitchFamily="34" charset="0"/>
+                <a:ea typeface="Lato Light" panose="020F0502020204030203" pitchFamily="34" charset="0"/>
+                <a:cs typeface="Lato Light" panose="020F0502020204030203" pitchFamily="34" charset="0"/>
+              </a:rPr>
+              <a:t>Как сме реализирали проекта? </a:t>
+            </a:r>
+            <a:endParaRPr lang="bg-BG" dirty="0">
+              <a:latin typeface="Lato Light" panose="020F0502020204030203" pitchFamily="34" charset="0"/>
+              <a:ea typeface="Lato Light" panose="020F0502020204030203" pitchFamily="34" charset="0"/>
+              <a:cs typeface="Lato Light" panose="020F0502020204030203" pitchFamily="34" charset="0"/>
+            </a:endParaRPr>
           </a:p>
         </p:txBody>
       </p:sp>
@@ -3647,6 +4245,95 @@
   <p:clrMapOvr>
     <a:masterClrMapping/>
   </p:clrMapOvr>
+  <p:timing>
+    <p:tnLst>
+      <p:par>
+        <p:cTn id="1" dur="indefinite" restart="never" nodeType="tmRoot"/>
+      </p:par>
+    </p:tnLst>
+  </p:timing>
+</p:sld>
+</file>
+
+<file path=ppt/slides/slide5.xml><?xml version="1.0" encoding="utf-8"?>
+<p:sld xmlns:a="http://schemas.openxmlformats.org/drawingml/2006/main" xmlns:r="http://schemas.openxmlformats.org/officeDocument/2006/relationships" xmlns:p="http://schemas.openxmlformats.org/presentationml/2006/main">
+  <p:cSld>
+    <p:spTree>
+      <p:nvGrpSpPr>
+        <p:cNvPr id="1" name=""/>
+        <p:cNvGrpSpPr/>
+        <p:nvPr/>
+      </p:nvGrpSpPr>
+      <p:grpSpPr>
+        <a:xfrm>
+          <a:off x="0" y="0"/>
+          <a:ext cx="0" cy="0"/>
+          <a:chOff x="0" y="0"/>
+          <a:chExt cx="0" cy="0"/>
+        </a:xfrm>
+      </p:grpSpPr>
+      <p:sp>
+        <p:nvSpPr>
+          <p:cNvPr id="2" name="Title 1"/>
+          <p:cNvSpPr>
+            <a:spLocks noGrp="1"/>
+          </p:cNvSpPr>
+          <p:nvPr>
+            <p:ph type="title"/>
+          </p:nvPr>
+        </p:nvSpPr>
+        <p:spPr>
+          <a:xfrm>
+            <a:off x="0" y="0"/>
+            <a:ext cx="4777273" cy="6858000"/>
+          </a:xfrm>
+        </p:spPr>
+        <p:txBody>
+          <a:bodyPr/>
+          <a:lstStyle/>
+          <a:p>
+            <a:pPr algn="ctr"/>
+            <a:r>
+              <a:rPr lang="bg-BG" dirty="0">
+                <a:latin typeface="Lato Light" panose="020F0502020204030203" pitchFamily="34" charset="0"/>
+                <a:ea typeface="Lato Light" panose="020F0502020204030203" pitchFamily="34" charset="0"/>
+                <a:cs typeface="Lato Light" panose="020F0502020204030203" pitchFamily="34" charset="0"/>
+              </a:rPr>
+              <a:t>З</a:t>
+            </a:r>
+            <a:r>
+              <a:rPr lang="bg-BG" dirty="0" smtClean="0">
+                <a:latin typeface="Lato Light" panose="020F0502020204030203" pitchFamily="34" charset="0"/>
+                <a:ea typeface="Lato Light" panose="020F0502020204030203" pitchFamily="34" charset="0"/>
+                <a:cs typeface="Lato Light" panose="020F0502020204030203" pitchFamily="34" charset="0"/>
+              </a:rPr>
+              <a:t>а играта</a:t>
+            </a:r>
+            <a:endParaRPr lang="bg-BG" dirty="0">
+              <a:latin typeface="Lato Light" panose="020F0502020204030203" pitchFamily="34" charset="0"/>
+              <a:ea typeface="Lato Light" panose="020F0502020204030203" pitchFamily="34" charset="0"/>
+              <a:cs typeface="Lato Light" panose="020F0502020204030203" pitchFamily="34" charset="0"/>
+            </a:endParaRPr>
+          </a:p>
+        </p:txBody>
+      </p:sp>
+    </p:spTree>
+    <p:extLst>
+      <p:ext uri="{BB962C8B-B14F-4D97-AF65-F5344CB8AC3E}">
+        <p14:creationId xmlns:p14="http://schemas.microsoft.com/office/powerpoint/2010/main" val="1225442780"/>
+      </p:ext>
+    </p:extLst>
+  </p:cSld>
+  <p:clrMapOvr>
+    <a:masterClrMapping/>
+  </p:clrMapOvr>
+  <p:timing>
+    <p:tnLst>
+      <p:par>
+        <p:cTn id="1" dur="indefinite" restart="never" nodeType="tmRoot"/>
+      </p:par>
+    </p:tnLst>
+  </p:timing>
 </p:sld>
 </file>
 

--- a/Artstealer Presentation.pptx
+++ b/Artstealer Presentation.pptx
@@ -689,7 +689,40 @@
           <a:bodyPr/>
           <a:lstStyle/>
           <a:p>
-            <a:endParaRPr lang="bg-BG" dirty="0"/>
+            <a:pPr marL="228600" indent="-228600">
+              <a:buAutoNum type="arabicPeriod"/>
+            </a:pPr>
+            <a:r>
+              <a:rPr lang="bg-BG" baseline="0" dirty="0" smtClean="0"/>
+              <a:t>Нямаме живот</a:t>
+            </a:r>
+          </a:p>
+          <a:p>
+            <a:pPr marL="228600" indent="-228600">
+              <a:buAutoNum type="arabicPeriod"/>
+            </a:pPr>
+            <a:r>
+              <a:rPr lang="bg-BG" baseline="0" dirty="0" smtClean="0"/>
+              <a:t>Харесваме хората да умират</a:t>
+            </a:r>
+          </a:p>
+          <a:p>
+            <a:pPr marL="228600" indent="-228600">
+              <a:buAutoNum type="arabicPeriod"/>
+            </a:pPr>
+            <a:r>
+              <a:rPr lang="bg-BG" baseline="0" dirty="0" smtClean="0"/>
+              <a:t>Не се харесваме един друг </a:t>
+            </a:r>
+          </a:p>
+          <a:p>
+            <a:pPr marL="228600" indent="-228600">
+              <a:buAutoNum type="arabicPeriod"/>
+            </a:pPr>
+            <a:r>
+              <a:rPr lang="bg-BG" baseline="0" dirty="0" smtClean="0"/>
+              <a:t>Представяме си че героя е един от съотборниците ни</a:t>
+            </a:r>
           </a:p>
         </p:txBody>
       </p:sp>
@@ -857,42 +890,39 @@
           <a:bodyPr/>
           <a:lstStyle/>
           <a:p>
-            <a:pPr marL="0" marR="0" indent="0" algn="l" defTabSz="914400" rtl="0" eaLnBrk="1" fontAlgn="auto" latinLnBrk="0" hangingPunct="1">
-              <a:lnSpc>
-                <a:spcPct val="100000"/>
-              </a:lnSpc>
-              <a:spcBef>
-                <a:spcPts val="0"/>
-              </a:spcBef>
-              <a:spcAft>
-                <a:spcPts val="0"/>
-              </a:spcAft>
-              <a:buClrTx/>
-              <a:buSzTx/>
-              <a:buFontTx/>
-              <a:buNone/>
-              <a:tabLst/>
-              <a:defRPr/>
-            </a:pPr>
+            <a:r>
+              <a:rPr lang="bg-BG" dirty="0" smtClean="0"/>
+              <a:t>Техники:</a:t>
+            </a:r>
+          </a:p>
+          <a:p>
             <a:r>
               <a:rPr lang="bg-BG" baseline="0" dirty="0" smtClean="0"/>
-              <a:t>Как сме реализирали проекта? (</a:t>
+              <a:t> 1. </a:t>
             </a:r>
             <a:r>
               <a:rPr lang="en-US" baseline="0" dirty="0" smtClean="0"/>
-              <a:t>Unity, </a:t>
-            </a:r>
-            <a:r>
-              <a:rPr lang="en-US" baseline="0" dirty="0" err="1" smtClean="0"/>
-              <a:t>photoshop</a:t>
-            </a:r>
+              <a:t>Unity</a:t>
+            </a:r>
+          </a:p>
+          <a:p>
             <a:r>
               <a:rPr lang="en-US" baseline="0" dirty="0" smtClean="0"/>
-              <a:t>, google, exc.)</a:t>
-            </a:r>
-          </a:p>
-          <a:p>
-            <a:endParaRPr lang="bg-BG" dirty="0"/>
+              <a:t> 2. Photoshop</a:t>
+            </a:r>
+          </a:p>
+          <a:p>
+            <a:r>
+              <a:rPr lang="en-US" baseline="0" dirty="0" smtClean="0"/>
+              <a:t> 3. C#</a:t>
+            </a:r>
+          </a:p>
+          <a:p>
+            <a:r>
+              <a:rPr lang="en-US" baseline="0" dirty="0" smtClean="0"/>
+              <a:t> 4. </a:t>
+            </a:r>
+            <a:endParaRPr lang="bg-BG" baseline="0" dirty="0" smtClean="0"/>
           </a:p>
         </p:txBody>
       </p:sp>
@@ -3896,36 +3926,6 @@
       </p:grpSpPr>
       <p:sp>
         <p:nvSpPr>
-          <p:cNvPr id="6" name="TextBox 5"/>
-          <p:cNvSpPr txBox="1"/>
-          <p:nvPr/>
-        </p:nvSpPr>
-        <p:spPr>
-          <a:xfrm>
-            <a:off x="2071397" y="1978089"/>
-            <a:ext cx="6960636" cy="1107996"/>
-          </a:xfrm>
-          <a:prstGeom prst="rect">
-            <a:avLst/>
-          </a:prstGeom>
-          <a:noFill/>
-        </p:spPr>
-        <p:txBody>
-          <a:bodyPr wrap="square" rtlCol="0">
-            <a:spAutoFit/>
-          </a:bodyPr>
-          <a:lstStyle/>
-          <a:p>
-            <a:r>
-              <a:rPr lang="en-US" sz="6600" dirty="0" err="1" smtClean="0"/>
-              <a:t>Artstealer</a:t>
-            </a:r>
-            <a:endParaRPr lang="en-US" sz="6600" dirty="0" smtClean="0"/>
-          </a:p>
-        </p:txBody>
-      </p:sp>
-      <p:sp>
-        <p:nvSpPr>
           <p:cNvPr id="3" name="TextBox 2"/>
           <p:cNvSpPr txBox="1"/>
           <p:nvPr/>
@@ -4011,20 +4011,18 @@
         </p:nvSpPr>
         <p:spPr/>
         <p:txBody>
-          <a:bodyPr/>
-          <a:lstStyle/>
-          <a:p>
-            <a:r>
-              <a:rPr lang="bg-BG" dirty="0" smtClean="0"/>
-              <a:t>Какво ни е накарало </a:t>
-            </a:r>
+          <a:bodyPr>
+            <a:normAutofit/>
+          </a:bodyPr>
+          <a:lstStyle/>
+          <a:p>
             <a:r>
               <a:rPr lang="bg-BG" dirty="0" smtClean="0">
                 <a:latin typeface="Lato Light" panose="020F0502020204030203" pitchFamily="34" charset="0"/>
                 <a:ea typeface="Lato Light" panose="020F0502020204030203" pitchFamily="34" charset="0"/>
                 <a:cs typeface="Lato Light" panose="020F0502020204030203" pitchFamily="34" charset="0"/>
               </a:rPr>
-              <a:t>да го направим?</a:t>
+              <a:t>Какво ни е накарало да го направим?</a:t>
             </a:r>
             <a:endParaRPr lang="bg-BG" dirty="0">
               <a:latin typeface="Lato Light" panose="020F0502020204030203" pitchFamily="34" charset="0"/>
@@ -4036,20 +4034,124 @@
       </p:sp>
       <p:sp>
         <p:nvSpPr>
-          <p:cNvPr id="3" name="Content Placeholder 2"/>
-          <p:cNvSpPr>
-            <a:spLocks noGrp="1"/>
-          </p:cNvSpPr>
-          <p:nvPr>
-            <p:ph idx="1"/>
-          </p:nvPr>
-        </p:nvSpPr>
-        <p:spPr/>
-        <p:txBody>
-          <a:bodyPr/>
-          <a:lstStyle/>
-          <a:p>
-            <a:endParaRPr lang="bg-BG" dirty="0"/>
+          <p:cNvPr id="4" name="TextBox 3"/>
+          <p:cNvSpPr txBox="1"/>
+          <p:nvPr/>
+        </p:nvSpPr>
+        <p:spPr>
+          <a:xfrm>
+            <a:off x="0" y="3112531"/>
+            <a:ext cx="12042710" cy="523220"/>
+          </a:xfrm>
+          <a:prstGeom prst="rect">
+            <a:avLst/>
+          </a:prstGeom>
+          <a:noFill/>
+        </p:spPr>
+        <p:txBody>
+          <a:bodyPr wrap="square" rtlCol="0">
+            <a:spAutoFit/>
+          </a:bodyPr>
+          <a:lstStyle/>
+          <a:p>
+            <a:pPr marL="342900" indent="-342900" algn="ctr">
+              <a:buAutoNum type="arabicPeriod"/>
+            </a:pPr>
+            <a:r>
+              <a:rPr lang="bg-BG" sz="2800" dirty="0" smtClean="0"/>
+              <a:t>Нямаме живот</a:t>
+            </a:r>
+          </a:p>
+        </p:txBody>
+      </p:sp>
+      <p:sp>
+        <p:nvSpPr>
+          <p:cNvPr id="5" name="TextBox 4"/>
+          <p:cNvSpPr txBox="1"/>
+          <p:nvPr/>
+        </p:nvSpPr>
+        <p:spPr>
+          <a:xfrm>
+            <a:off x="0" y="3825551"/>
+            <a:ext cx="12192000" cy="523220"/>
+          </a:xfrm>
+          <a:prstGeom prst="rect">
+            <a:avLst/>
+          </a:prstGeom>
+          <a:noFill/>
+        </p:spPr>
+        <p:txBody>
+          <a:bodyPr wrap="square" rtlCol="0">
+            <a:spAutoFit/>
+          </a:bodyPr>
+          <a:lstStyle/>
+          <a:p>
+            <a:pPr algn="ctr"/>
+            <a:r>
+              <a:rPr lang="bg-BG" sz="2800" dirty="0" smtClean="0"/>
+              <a:t>2. Харесваме хората да умират</a:t>
+            </a:r>
+            <a:endParaRPr lang="bg-BG" sz="2800" dirty="0"/>
+          </a:p>
+        </p:txBody>
+      </p:sp>
+      <p:sp>
+        <p:nvSpPr>
+          <p:cNvPr id="6" name="TextBox 5"/>
+          <p:cNvSpPr txBox="1"/>
+          <p:nvPr/>
+        </p:nvSpPr>
+        <p:spPr>
+          <a:xfrm>
+            <a:off x="0" y="4538571"/>
+            <a:ext cx="12192000" cy="523220"/>
+          </a:xfrm>
+          <a:prstGeom prst="rect">
+            <a:avLst/>
+          </a:prstGeom>
+          <a:noFill/>
+        </p:spPr>
+        <p:txBody>
+          <a:bodyPr wrap="square" rtlCol="0">
+            <a:spAutoFit/>
+          </a:bodyPr>
+          <a:lstStyle/>
+          <a:p>
+            <a:pPr algn="ctr"/>
+            <a:r>
+              <a:rPr lang="bg-BG" sz="2800" dirty="0" smtClean="0"/>
+              <a:t>3. Не се харесваме един друг</a:t>
+            </a:r>
+          </a:p>
+        </p:txBody>
+      </p:sp>
+      <p:sp>
+        <p:nvSpPr>
+          <p:cNvPr id="7" name="TextBox 6"/>
+          <p:cNvSpPr txBox="1"/>
+          <p:nvPr/>
+        </p:nvSpPr>
+        <p:spPr>
+          <a:xfrm>
+            <a:off x="0" y="5251591"/>
+            <a:ext cx="12192000" cy="523220"/>
+          </a:xfrm>
+          <a:prstGeom prst="rect">
+            <a:avLst/>
+          </a:prstGeom>
+          <a:noFill/>
+        </p:spPr>
+        <p:txBody>
+          <a:bodyPr wrap="square" rtlCol="0">
+            <a:spAutoFit/>
+          </a:bodyPr>
+          <a:lstStyle/>
+          <a:p>
+            <a:pPr algn="ctr"/>
+            <a:r>
+              <a:rPr lang="bg-BG" sz="2800" dirty="0" smtClean="0"/>
+              <a:t>4. Представяме си че героя е един от съотборниците ни</a:t>
+            </a:r>
           </a:p>
         </p:txBody>
       </p:sp>
@@ -4066,9 +4168,218 @@
   <p:timing>
     <p:tnLst>
       <p:par>
-        <p:cTn id="1" dur="indefinite" restart="never" nodeType="tmRoot"/>
+        <p:cTn id="1" dur="indefinite" restart="never" nodeType="tmRoot">
+          <p:childTnLst>
+            <p:seq concurrent="1" nextAc="seek">
+              <p:cTn id="2" dur="indefinite" nodeType="mainSeq">
+                <p:childTnLst>
+                  <p:par>
+                    <p:cTn id="3" fill="hold">
+                      <p:stCondLst>
+                        <p:cond delay="indefinite"/>
+                      </p:stCondLst>
+                      <p:childTnLst>
+                        <p:par>
+                          <p:cTn id="4" fill="hold">
+                            <p:stCondLst>
+                              <p:cond delay="0"/>
+                            </p:stCondLst>
+                            <p:childTnLst>
+                              <p:par>
+                                <p:cTn id="5" presetID="1" presetClass="entr" presetSubtype="0" fill="hold" grpId="0" nodeType="clickEffect">
+                                  <p:stCondLst>
+                                    <p:cond delay="0"/>
+                                  </p:stCondLst>
+                                  <p:childTnLst>
+                                    <p:set>
+                                      <p:cBhvr>
+                                        <p:cTn id="6" dur="1" fill="hold">
+                                          <p:stCondLst>
+                                            <p:cond delay="0"/>
+                                          </p:stCondLst>
+                                        </p:cTn>
+                                        <p:tgtEl>
+                                          <p:spTgt spid="4"/>
+                                        </p:tgtEl>
+                                        <p:attrNameLst>
+                                          <p:attrName>style.visibility</p:attrName>
+                                        </p:attrNameLst>
+                                      </p:cBhvr>
+                                      <p:to>
+                                        <p:strVal val="visible"/>
+                                      </p:to>
+                                    </p:set>
+                                  </p:childTnLst>
+                                </p:cTn>
+                              </p:par>
+                            </p:childTnLst>
+                          </p:cTn>
+                        </p:par>
+                      </p:childTnLst>
+                    </p:cTn>
+                  </p:par>
+                  <p:par>
+                    <p:cTn id="7" fill="hold">
+                      <p:stCondLst>
+                        <p:cond delay="indefinite"/>
+                      </p:stCondLst>
+                      <p:childTnLst>
+                        <p:par>
+                          <p:cTn id="8" fill="hold">
+                            <p:stCondLst>
+                              <p:cond delay="0"/>
+                            </p:stCondLst>
+                            <p:childTnLst>
+                              <p:par>
+                                <p:cTn id="9" presetID="1" presetClass="entr" presetSubtype="0" fill="hold" grpId="0" nodeType="clickEffect">
+                                  <p:stCondLst>
+                                    <p:cond delay="0"/>
+                                  </p:stCondLst>
+                                  <p:childTnLst>
+                                    <p:set>
+                                      <p:cBhvr>
+                                        <p:cTn id="10" dur="1" fill="hold">
+                                          <p:stCondLst>
+                                            <p:cond delay="0"/>
+                                          </p:stCondLst>
+                                        </p:cTn>
+                                        <p:tgtEl>
+                                          <p:spTgt spid="5"/>
+                                        </p:tgtEl>
+                                        <p:attrNameLst>
+                                          <p:attrName>style.visibility</p:attrName>
+                                        </p:attrNameLst>
+                                      </p:cBhvr>
+                                      <p:to>
+                                        <p:strVal val="visible"/>
+                                      </p:to>
+                                    </p:set>
+                                  </p:childTnLst>
+                                </p:cTn>
+                              </p:par>
+                            </p:childTnLst>
+                          </p:cTn>
+                        </p:par>
+                      </p:childTnLst>
+                    </p:cTn>
+                  </p:par>
+                  <p:par>
+                    <p:cTn id="11" fill="hold">
+                      <p:stCondLst>
+                        <p:cond delay="indefinite"/>
+                      </p:stCondLst>
+                      <p:childTnLst>
+                        <p:par>
+                          <p:cTn id="12" fill="hold">
+                            <p:stCondLst>
+                              <p:cond delay="0"/>
+                            </p:stCondLst>
+                            <p:childTnLst>
+                              <p:par>
+                                <p:cTn id="13" presetID="1" presetClass="entr" presetSubtype="0" fill="hold" grpId="0" nodeType="clickEffect">
+                                  <p:stCondLst>
+                                    <p:cond delay="0"/>
+                                  </p:stCondLst>
+                                  <p:childTnLst>
+                                    <p:set>
+                                      <p:cBhvr>
+                                        <p:cTn id="14" dur="1" fill="hold">
+                                          <p:stCondLst>
+                                            <p:cond delay="0"/>
+                                          </p:stCondLst>
+                                        </p:cTn>
+                                        <p:tgtEl>
+                                          <p:spTgt spid="6"/>
+                                        </p:tgtEl>
+                                        <p:attrNameLst>
+                                          <p:attrName>style.visibility</p:attrName>
+                                        </p:attrNameLst>
+                                      </p:cBhvr>
+                                      <p:to>
+                                        <p:strVal val="visible"/>
+                                      </p:to>
+                                    </p:set>
+                                  </p:childTnLst>
+                                </p:cTn>
+                              </p:par>
+                            </p:childTnLst>
+                          </p:cTn>
+                        </p:par>
+                      </p:childTnLst>
+                    </p:cTn>
+                  </p:par>
+                  <p:par>
+                    <p:cTn id="15" fill="hold">
+                      <p:stCondLst>
+                        <p:cond delay="indefinite"/>
+                      </p:stCondLst>
+                      <p:childTnLst>
+                        <p:par>
+                          <p:cTn id="16" fill="hold">
+                            <p:stCondLst>
+                              <p:cond delay="0"/>
+                            </p:stCondLst>
+                            <p:childTnLst>
+                              <p:par>
+                                <p:cTn id="17" presetID="1" presetClass="entr" presetSubtype="0" fill="hold" grpId="0" nodeType="clickEffect">
+                                  <p:stCondLst>
+                                    <p:cond delay="0"/>
+                                  </p:stCondLst>
+                                  <p:childTnLst>
+                                    <p:set>
+                                      <p:cBhvr>
+                                        <p:cTn id="18" dur="1" fill="hold">
+                                          <p:stCondLst>
+                                            <p:cond delay="0"/>
+                                          </p:stCondLst>
+                                        </p:cTn>
+                                        <p:tgtEl>
+                                          <p:spTgt spid="7"/>
+                                        </p:tgtEl>
+                                        <p:attrNameLst>
+                                          <p:attrName>style.visibility</p:attrName>
+                                        </p:attrNameLst>
+                                      </p:cBhvr>
+                                      <p:to>
+                                        <p:strVal val="visible"/>
+                                      </p:to>
+                                    </p:set>
+                                  </p:childTnLst>
+                                </p:cTn>
+                              </p:par>
+                            </p:childTnLst>
+                          </p:cTn>
+                        </p:par>
+                      </p:childTnLst>
+                    </p:cTn>
+                  </p:par>
+                </p:childTnLst>
+              </p:cTn>
+              <p:prevCondLst>
+                <p:cond evt="onPrev" delay="0">
+                  <p:tgtEl>
+                    <p:sldTgt/>
+                  </p:tgtEl>
+                </p:cond>
+              </p:prevCondLst>
+              <p:nextCondLst>
+                <p:cond evt="onNext" delay="0">
+                  <p:tgtEl>
+                    <p:sldTgt/>
+                  </p:tgtEl>
+                </p:cond>
+              </p:nextCondLst>
+            </p:seq>
+          </p:childTnLst>
+        </p:cTn>
       </p:par>
     </p:tnLst>
+    <p:bldLst>
+      <p:bldP spid="4" grpId="0"/>
+      <p:bldP spid="5" grpId="0"/>
+      <p:bldP spid="6" grpId="0"/>
+      <p:bldP spid="7" grpId="0"/>
+    </p:bldLst>
   </p:timing>
 </p:sld>
 </file>
@@ -4126,25 +4437,6 @@
               <a:ea typeface="Lato Light" panose="020F0502020204030203" pitchFamily="34" charset="0"/>
               <a:cs typeface="Lato Light" panose="020F0502020204030203" pitchFamily="34" charset="0"/>
             </a:endParaRPr>
-          </a:p>
-        </p:txBody>
-      </p:sp>
-      <p:sp>
-        <p:nvSpPr>
-          <p:cNvPr id="3" name="Content Placeholder 2"/>
-          <p:cNvSpPr>
-            <a:spLocks noGrp="1"/>
-          </p:cNvSpPr>
-          <p:nvPr>
-            <p:ph idx="1"/>
-          </p:nvPr>
-        </p:nvSpPr>
-        <p:spPr/>
-        <p:txBody>
-          <a:bodyPr/>
-          <a:lstStyle/>
-          <a:p>
-            <a:endParaRPr lang="bg-BG"/>
           </a:p>
         </p:txBody>
       </p:sp>
@@ -4195,11 +4487,17 @@
             <p:ph type="title"/>
           </p:nvPr>
         </p:nvSpPr>
-        <p:spPr/>
-        <p:txBody>
-          <a:bodyPr/>
-          <a:lstStyle/>
-          <a:p>
+        <p:spPr>
+          <a:xfrm>
+            <a:off x="0" y="365125"/>
+            <a:ext cx="10786188" cy="1325563"/>
+          </a:xfrm>
+        </p:spPr>
+        <p:txBody>
+          <a:bodyPr/>
+          <a:lstStyle/>
+          <a:p>
+            <a:pPr algn="ctr"/>
             <a:r>
               <a:rPr lang="bg-BG" dirty="0">
                 <a:latin typeface="Lato Light" panose="020F0502020204030203" pitchFamily="34" charset="0"/>
@@ -4213,25 +4511,6 @@
               <a:ea typeface="Lato Light" panose="020F0502020204030203" pitchFamily="34" charset="0"/>
               <a:cs typeface="Lato Light" panose="020F0502020204030203" pitchFamily="34" charset="0"/>
             </a:endParaRPr>
-          </a:p>
-        </p:txBody>
-      </p:sp>
-      <p:sp>
-        <p:nvSpPr>
-          <p:cNvPr id="3" name="Content Placeholder 2"/>
-          <p:cNvSpPr>
-            <a:spLocks noGrp="1"/>
-          </p:cNvSpPr>
-          <p:nvPr>
-            <p:ph idx="1"/>
-          </p:nvPr>
-        </p:nvSpPr>
-        <p:spPr/>
-        <p:txBody>
-          <a:bodyPr/>
-          <a:lstStyle/>
-          <a:p>
-            <a:endParaRPr lang="bg-BG"/>
           </a:p>
         </p:txBody>
       </p:sp>
@@ -4284,8 +4563,8 @@
         </p:nvSpPr>
         <p:spPr>
           <a:xfrm>
-            <a:off x="0" y="0"/>
-            <a:ext cx="4777273" cy="6858000"/>
+            <a:off x="0" y="1"/>
+            <a:ext cx="6979298" cy="2015412"/>
           </a:xfrm>
         </p:spPr>
         <p:txBody>
